--- a/docs/diagrams/LogicCommandTransferPackage.pptx
+++ b/docs/diagrams/LogicCommandTransferPackage.pptx
@@ -104,6 +104,11 @@
       </a:defRPr>
     </a:lvl9pPr>
   </p:defaultTextStyle>
+  <p:extLst>
+    <p:ext uri="{EFAFB233-063F-42B5-8137-9DF3F51BA10A}">
+      <p15:sldGuideLst xmlns:p15="http://schemas.microsoft.com/office/powerpoint/2012/main"/>
+    </p:ext>
+  </p:extLst>
 </p:presentation>
 </file>
 
@@ -256,7 +261,7 @@
           <a:p>
             <a:fld id="{0CBAB0C1-E89C-6745-B159-B35990A686F5}" type="datetimeFigureOut">
               <a:rPr lang="en-US" smtClean="0"/>
-              <a:t>10/22/19</a:t>
+              <a:t>10/31/19</a:t>
             </a:fld>
             <a:endParaRPr lang="en-US"/>
           </a:p>
@@ -456,7 +461,7 @@
           <a:p>
             <a:fld id="{0CBAB0C1-E89C-6745-B159-B35990A686F5}" type="datetimeFigureOut">
               <a:rPr lang="en-US" smtClean="0"/>
-              <a:t>10/22/19</a:t>
+              <a:t>10/31/19</a:t>
             </a:fld>
             <a:endParaRPr lang="en-US"/>
           </a:p>
@@ -666,7 +671,7 @@
           <a:p>
             <a:fld id="{0CBAB0C1-E89C-6745-B159-B35990A686F5}" type="datetimeFigureOut">
               <a:rPr lang="en-US" smtClean="0"/>
-              <a:t>10/22/19</a:t>
+              <a:t>10/31/19</a:t>
             </a:fld>
             <a:endParaRPr lang="en-US"/>
           </a:p>
@@ -866,7 +871,7 @@
           <a:p>
             <a:fld id="{0CBAB0C1-E89C-6745-B159-B35990A686F5}" type="datetimeFigureOut">
               <a:rPr lang="en-US" smtClean="0"/>
-              <a:t>10/22/19</a:t>
+              <a:t>10/31/19</a:t>
             </a:fld>
             <a:endParaRPr lang="en-US"/>
           </a:p>
@@ -1142,7 +1147,7 @@
           <a:p>
             <a:fld id="{0CBAB0C1-E89C-6745-B159-B35990A686F5}" type="datetimeFigureOut">
               <a:rPr lang="en-US" smtClean="0"/>
-              <a:t>10/22/19</a:t>
+              <a:t>10/31/19</a:t>
             </a:fld>
             <a:endParaRPr lang="en-US"/>
           </a:p>
@@ -1410,7 +1415,7 @@
           <a:p>
             <a:fld id="{0CBAB0C1-E89C-6745-B159-B35990A686F5}" type="datetimeFigureOut">
               <a:rPr lang="en-US" smtClean="0"/>
-              <a:t>10/22/19</a:t>
+              <a:t>10/31/19</a:t>
             </a:fld>
             <a:endParaRPr lang="en-US"/>
           </a:p>
@@ -1825,7 +1830,7 @@
           <a:p>
             <a:fld id="{0CBAB0C1-E89C-6745-B159-B35990A686F5}" type="datetimeFigureOut">
               <a:rPr lang="en-US" smtClean="0"/>
-              <a:t>10/22/19</a:t>
+              <a:t>10/31/19</a:t>
             </a:fld>
             <a:endParaRPr lang="en-US"/>
           </a:p>
@@ -1967,7 +1972,7 @@
           <a:p>
             <a:fld id="{0CBAB0C1-E89C-6745-B159-B35990A686F5}" type="datetimeFigureOut">
               <a:rPr lang="en-US" smtClean="0"/>
-              <a:t>10/22/19</a:t>
+              <a:t>10/31/19</a:t>
             </a:fld>
             <a:endParaRPr lang="en-US"/>
           </a:p>
@@ -2080,7 +2085,7 @@
           <a:p>
             <a:fld id="{0CBAB0C1-E89C-6745-B159-B35990A686F5}" type="datetimeFigureOut">
               <a:rPr lang="en-US" smtClean="0"/>
-              <a:t>10/22/19</a:t>
+              <a:t>10/31/19</a:t>
             </a:fld>
             <a:endParaRPr lang="en-US"/>
           </a:p>
@@ -2393,7 +2398,7 @@
           <a:p>
             <a:fld id="{0CBAB0C1-E89C-6745-B159-B35990A686F5}" type="datetimeFigureOut">
               <a:rPr lang="en-US" smtClean="0"/>
-              <a:t>10/22/19</a:t>
+              <a:t>10/31/19</a:t>
             </a:fld>
             <a:endParaRPr lang="en-US"/>
           </a:p>
@@ -2682,7 +2687,7 @@
           <a:p>
             <a:fld id="{0CBAB0C1-E89C-6745-B159-B35990A686F5}" type="datetimeFigureOut">
               <a:rPr lang="en-US" smtClean="0"/>
-              <a:t>10/22/19</a:t>
+              <a:t>10/31/19</a:t>
             </a:fld>
             <a:endParaRPr lang="en-US"/>
           </a:p>
@@ -2925,7 +2930,7 @@
           <a:p>
             <a:fld id="{0CBAB0C1-E89C-6745-B159-B35990A686F5}" type="datetimeFigureOut">
               <a:rPr lang="en-US" smtClean="0"/>
-              <a:t>10/22/19</a:t>
+              <a:t>10/31/19</a:t>
             </a:fld>
             <a:endParaRPr lang="en-US"/>
           </a:p>
@@ -3344,10 +3349,10 @@
       </p:grpSpPr>
       <p:grpSp>
         <p:nvGrpSpPr>
-          <p:cNvPr id="4" name="Group 3">
-            <a:extLst>
-              <a:ext uri="{FF2B5EF4-FFF2-40B4-BE49-F238E27FC236}">
-                <a16:creationId xmlns:a16="http://schemas.microsoft.com/office/drawing/2014/main" id="{0D9D3977-9CD1-F245-A2D0-7DC2BD076086}"/>
+          <p:cNvPr id="15" name="Group 14">
+            <a:extLst>
+              <a:ext uri="{FF2B5EF4-FFF2-40B4-BE49-F238E27FC236}">
+                <a16:creationId xmlns:a16="http://schemas.microsoft.com/office/drawing/2014/main" id="{ED3E1701-39C8-F649-BB6C-637486EA0B4A}"/>
               </a:ext>
             </a:extLst>
           </p:cNvPr>
@@ -3364,10 +3369,10 @@
         </p:grpSpPr>
         <p:sp>
           <p:nvSpPr>
-            <p:cNvPr id="5" name="Rounded Rectangle 145">
+            <p:cNvPr id="16" name="Rounded Rectangle 145">
               <a:extLst>
                 <a:ext uri="{FF2B5EF4-FFF2-40B4-BE49-F238E27FC236}">
-                  <a16:creationId xmlns:a16="http://schemas.microsoft.com/office/drawing/2014/main" id="{F2024139-A704-9C43-A766-A767A733F991}"/>
+                  <a16:creationId xmlns:a16="http://schemas.microsoft.com/office/drawing/2014/main" id="{00D02274-896E-8D45-A1DA-22643A50645C}"/>
                 </a:ext>
               </a:extLst>
             </p:cNvPr>
@@ -3427,177 +3432,10 @@
         </p:sp>
         <p:sp>
           <p:nvSpPr>
-            <p:cNvPr id="6" name="TextBox 5">
+            <p:cNvPr id="17" name="Rounded Rectangle 14">
               <a:extLst>
                 <a:ext uri="{FF2B5EF4-FFF2-40B4-BE49-F238E27FC236}">
-                  <a16:creationId xmlns:a16="http://schemas.microsoft.com/office/drawing/2014/main" id="{E31C79F6-A2E3-F749-B229-BFC678B5FDB4}"/>
-                </a:ext>
-              </a:extLst>
-            </p:cNvPr>
-            <p:cNvSpPr txBox="1"/>
-            <p:nvPr/>
-          </p:nvSpPr>
-          <p:spPr>
-            <a:xfrm>
-              <a:off x="1303421" y="248117"/>
-              <a:ext cx="3470181" cy="369332"/>
-            </a:xfrm>
-            <a:prstGeom prst="rect">
-              <a:avLst/>
-            </a:prstGeom>
-            <a:noFill/>
-          </p:spPr>
-          <p:txBody>
-            <a:bodyPr wrap="none" rtlCol="0">
-              <a:spAutoFit/>
-            </a:bodyPr>
-            <a:lstStyle/>
-            <a:p>
-              <a:r>
-                <a:rPr lang="en-US" b="1"/>
-                <a:t>Logic, Command, Transfer Package</a:t>
-              </a:r>
-            </a:p>
-          </p:txBody>
-        </p:sp>
-        <p:sp>
-          <p:nvSpPr>
-            <p:cNvPr id="7" name="Rounded Rectangle 144">
-              <a:extLst>
-                <a:ext uri="{FF2B5EF4-FFF2-40B4-BE49-F238E27FC236}">
-                  <a16:creationId xmlns:a16="http://schemas.microsoft.com/office/drawing/2014/main" id="{B7DF4885-8824-AA43-9EFD-CF8FBB81EACB}"/>
-                </a:ext>
-              </a:extLst>
-            </p:cNvPr>
-            <p:cNvSpPr/>
-            <p:nvPr/>
-          </p:nvSpPr>
-          <p:spPr>
-            <a:xfrm>
-              <a:off x="1303421" y="6000533"/>
-              <a:ext cx="10483775" cy="529662"/>
-            </a:xfrm>
-            <a:prstGeom prst="roundRect">
-              <a:avLst/>
-            </a:prstGeom>
-            <a:solidFill>
-              <a:schemeClr val="accent5">
-                <a:lumMod val="60000"/>
-                <a:lumOff val="40000"/>
-              </a:schemeClr>
-            </a:solidFill>
-            <a:ln>
-              <a:noFill/>
-            </a:ln>
-          </p:spPr>
-          <p:style>
-            <a:lnRef idx="2">
-              <a:schemeClr val="accent1">
-                <a:shade val="50000"/>
-              </a:schemeClr>
-            </a:lnRef>
-            <a:fillRef idx="1">
-              <a:schemeClr val="accent1"/>
-            </a:fillRef>
-            <a:effectRef idx="0">
-              <a:schemeClr val="accent1"/>
-            </a:effectRef>
-            <a:fontRef idx="minor">
-              <a:schemeClr val="lt1"/>
-            </a:fontRef>
-          </p:style>
-          <p:txBody>
-            <a:bodyPr rtlCol="0" anchor="ctr"/>
-            <a:lstStyle/>
-            <a:p>
-              <a:pPr algn="ctr"/>
-              <a:r>
-                <a:rPr lang="en-US" sz="1300" b="1">
-                  <a:solidFill>
-                    <a:schemeClr val="tx1"/>
-                  </a:solidFill>
-                  <a:latin typeface="Arial" panose="020B0604020202020204" pitchFamily="34" charset="0"/>
-                  <a:cs typeface="Arial" panose="020B0604020202020204" pitchFamily="34" charset="0"/>
-                </a:rPr>
-                <a:t>Model</a:t>
-              </a:r>
-            </a:p>
-          </p:txBody>
-        </p:sp>
-        <p:sp>
-          <p:nvSpPr>
-            <p:cNvPr id="8" name="Rounded Rectangle 12">
-              <a:extLst>
-                <a:ext uri="{FF2B5EF4-FFF2-40B4-BE49-F238E27FC236}">
-                  <a16:creationId xmlns:a16="http://schemas.microsoft.com/office/drawing/2014/main" id="{C9A53D12-42CB-DA46-A8AE-75FC408D2C08}"/>
-                </a:ext>
-              </a:extLst>
-            </p:cNvPr>
-            <p:cNvSpPr/>
-            <p:nvPr/>
-          </p:nvSpPr>
-          <p:spPr>
-            <a:xfrm rot="16200000">
-              <a:off x="-2045605" y="2712777"/>
-              <a:ext cx="5568378" cy="710702"/>
-            </a:xfrm>
-            <a:prstGeom prst="roundRect">
-              <a:avLst/>
-            </a:prstGeom>
-            <a:solidFill>
-              <a:schemeClr val="bg2">
-                <a:lumMod val="90000"/>
-              </a:schemeClr>
-            </a:solidFill>
-            <a:ln>
-              <a:solidFill>
-                <a:schemeClr val="accent3">
-                  <a:lumMod val="60000"/>
-                  <a:lumOff val="40000"/>
-                </a:schemeClr>
-              </a:solidFill>
-            </a:ln>
-          </p:spPr>
-          <p:style>
-            <a:lnRef idx="2">
-              <a:schemeClr val="accent1">
-                <a:shade val="50000"/>
-              </a:schemeClr>
-            </a:lnRef>
-            <a:fillRef idx="1">
-              <a:schemeClr val="accent1"/>
-            </a:fillRef>
-            <a:effectRef idx="0">
-              <a:schemeClr val="accent1"/>
-            </a:effectRef>
-            <a:fontRef idx="minor">
-              <a:schemeClr val="lt1"/>
-            </a:fontRef>
-          </p:style>
-          <p:txBody>
-            <a:bodyPr rtlCol="0" anchor="ctr"/>
-            <a:lstStyle/>
-            <a:p>
-              <a:pPr algn="ctr"/>
-              <a:r>
-                <a:rPr lang="en-US" sz="1300" b="1">
-                  <a:solidFill>
-                    <a:schemeClr val="tx1"/>
-                  </a:solidFill>
-                  <a:latin typeface="Arial" panose="020B0604020202020204" pitchFamily="34" charset="0"/>
-                  <a:cs typeface="Arial" panose="020B0604020202020204" pitchFamily="34" charset="0"/>
-                </a:rPr>
-                <a:t>Main</a:t>
-              </a:r>
-            </a:p>
-          </p:txBody>
-        </p:sp>
-        <p:sp>
-          <p:nvSpPr>
-            <p:cNvPr id="9" name="Rounded Rectangle 14">
-              <a:extLst>
-                <a:ext uri="{FF2B5EF4-FFF2-40B4-BE49-F238E27FC236}">
-                  <a16:creationId xmlns:a16="http://schemas.microsoft.com/office/drawing/2014/main" id="{F15A48EC-142F-174D-B9BD-B4E6BF71F70A}"/>
+                  <a16:creationId xmlns:a16="http://schemas.microsoft.com/office/drawing/2014/main" id="{578E9EB3-F6FF-0947-9B6F-5FE50F15F24C}"/>
                 </a:ext>
               </a:extLst>
             </p:cNvPr>
@@ -3672,10 +3510,10 @@
         </p:sp>
         <p:sp>
           <p:nvSpPr>
-            <p:cNvPr id="10" name="Rounded Rectangle 14">
+            <p:cNvPr id="18" name="Rounded Rectangle 14">
               <a:extLst>
                 <a:ext uri="{FF2B5EF4-FFF2-40B4-BE49-F238E27FC236}">
-                  <a16:creationId xmlns:a16="http://schemas.microsoft.com/office/drawing/2014/main" id="{2D343700-34FC-F54D-BF78-861AB1450CD3}"/>
+                  <a16:creationId xmlns:a16="http://schemas.microsoft.com/office/drawing/2014/main" id="{B9F21806-8B9B-084F-8269-F888933710C5}"/>
                 </a:ext>
               </a:extLst>
             </p:cNvPr>
@@ -3737,10 +3575,177 @@
         </p:sp>
         <p:sp>
           <p:nvSpPr>
-            <p:cNvPr id="11" name="Triangle 55">
+            <p:cNvPr id="19" name="TextBox 18">
               <a:extLst>
                 <a:ext uri="{FF2B5EF4-FFF2-40B4-BE49-F238E27FC236}">
-                  <a16:creationId xmlns:a16="http://schemas.microsoft.com/office/drawing/2014/main" id="{F54DA39C-A606-2649-8F5A-693698AABC6C}"/>
+                  <a16:creationId xmlns:a16="http://schemas.microsoft.com/office/drawing/2014/main" id="{98A5EB59-11D2-C744-9E75-DA29CE01AC5E}"/>
+                </a:ext>
+              </a:extLst>
+            </p:cNvPr>
+            <p:cNvSpPr txBox="1"/>
+            <p:nvPr/>
+          </p:nvSpPr>
+          <p:spPr>
+            <a:xfrm>
+              <a:off x="1303421" y="248117"/>
+              <a:ext cx="3470181" cy="369332"/>
+            </a:xfrm>
+            <a:prstGeom prst="rect">
+              <a:avLst/>
+            </a:prstGeom>
+            <a:noFill/>
+          </p:spPr>
+          <p:txBody>
+            <a:bodyPr wrap="none" rtlCol="0">
+              <a:spAutoFit/>
+            </a:bodyPr>
+            <a:lstStyle/>
+            <a:p>
+              <a:r>
+                <a:rPr lang="en-US" b="1"/>
+                <a:t>Logic, Command, Transfer Package</a:t>
+              </a:r>
+            </a:p>
+          </p:txBody>
+        </p:sp>
+        <p:sp>
+          <p:nvSpPr>
+            <p:cNvPr id="20" name="Rounded Rectangle 144">
+              <a:extLst>
+                <a:ext uri="{FF2B5EF4-FFF2-40B4-BE49-F238E27FC236}">
+                  <a16:creationId xmlns:a16="http://schemas.microsoft.com/office/drawing/2014/main" id="{FF0E5DA4-6AEA-DC4E-ADF5-4DDF30C89567}"/>
+                </a:ext>
+              </a:extLst>
+            </p:cNvPr>
+            <p:cNvSpPr/>
+            <p:nvPr/>
+          </p:nvSpPr>
+          <p:spPr>
+            <a:xfrm>
+              <a:off x="1303421" y="6000533"/>
+              <a:ext cx="10483775" cy="529662"/>
+            </a:xfrm>
+            <a:prstGeom prst="roundRect">
+              <a:avLst/>
+            </a:prstGeom>
+            <a:solidFill>
+              <a:schemeClr val="accent5">
+                <a:lumMod val="60000"/>
+                <a:lumOff val="40000"/>
+              </a:schemeClr>
+            </a:solidFill>
+            <a:ln>
+              <a:noFill/>
+            </a:ln>
+          </p:spPr>
+          <p:style>
+            <a:lnRef idx="2">
+              <a:schemeClr val="accent1">
+                <a:shade val="50000"/>
+              </a:schemeClr>
+            </a:lnRef>
+            <a:fillRef idx="1">
+              <a:schemeClr val="accent1"/>
+            </a:fillRef>
+            <a:effectRef idx="0">
+              <a:schemeClr val="accent1"/>
+            </a:effectRef>
+            <a:fontRef idx="minor">
+              <a:schemeClr val="lt1"/>
+            </a:fontRef>
+          </p:style>
+          <p:txBody>
+            <a:bodyPr rtlCol="0" anchor="ctr"/>
+            <a:lstStyle/>
+            <a:p>
+              <a:pPr algn="ctr"/>
+              <a:r>
+                <a:rPr lang="en-US" sz="1300" b="1">
+                  <a:solidFill>
+                    <a:schemeClr val="tx1"/>
+                  </a:solidFill>
+                  <a:latin typeface="Arial" panose="020B0604020202020204" pitchFamily="34" charset="0"/>
+                  <a:cs typeface="Arial" panose="020B0604020202020204" pitchFamily="34" charset="0"/>
+                </a:rPr>
+                <a:t>Model</a:t>
+              </a:r>
+            </a:p>
+          </p:txBody>
+        </p:sp>
+        <p:sp>
+          <p:nvSpPr>
+            <p:cNvPr id="21" name="Rounded Rectangle 12">
+              <a:extLst>
+                <a:ext uri="{FF2B5EF4-FFF2-40B4-BE49-F238E27FC236}">
+                  <a16:creationId xmlns:a16="http://schemas.microsoft.com/office/drawing/2014/main" id="{99F4E6F5-6C07-1C43-A318-8EFAFA8284F6}"/>
+                </a:ext>
+              </a:extLst>
+            </p:cNvPr>
+            <p:cNvSpPr/>
+            <p:nvPr/>
+          </p:nvSpPr>
+          <p:spPr>
+            <a:xfrm rot="16200000">
+              <a:off x="-2045605" y="2712777"/>
+              <a:ext cx="5568378" cy="710702"/>
+            </a:xfrm>
+            <a:prstGeom prst="roundRect">
+              <a:avLst/>
+            </a:prstGeom>
+            <a:solidFill>
+              <a:schemeClr val="bg2">
+                <a:lumMod val="90000"/>
+              </a:schemeClr>
+            </a:solidFill>
+            <a:ln>
+              <a:solidFill>
+                <a:schemeClr val="accent3">
+                  <a:lumMod val="60000"/>
+                  <a:lumOff val="40000"/>
+                </a:schemeClr>
+              </a:solidFill>
+            </a:ln>
+          </p:spPr>
+          <p:style>
+            <a:lnRef idx="2">
+              <a:schemeClr val="accent1">
+                <a:shade val="50000"/>
+              </a:schemeClr>
+            </a:lnRef>
+            <a:fillRef idx="1">
+              <a:schemeClr val="accent1"/>
+            </a:fillRef>
+            <a:effectRef idx="0">
+              <a:schemeClr val="accent1"/>
+            </a:effectRef>
+            <a:fontRef idx="minor">
+              <a:schemeClr val="lt1"/>
+            </a:fontRef>
+          </p:style>
+          <p:txBody>
+            <a:bodyPr rtlCol="0" anchor="ctr"/>
+            <a:lstStyle/>
+            <a:p>
+              <a:pPr algn="ctr"/>
+              <a:r>
+                <a:rPr lang="en-US" sz="1300" b="1">
+                  <a:solidFill>
+                    <a:schemeClr val="tx1"/>
+                  </a:solidFill>
+                  <a:latin typeface="Arial" panose="020B0604020202020204" pitchFamily="34" charset="0"/>
+                  <a:cs typeface="Arial" panose="020B0604020202020204" pitchFamily="34" charset="0"/>
+                </a:rPr>
+                <a:t>Main</a:t>
+              </a:r>
+            </a:p>
+          </p:txBody>
+        </p:sp>
+        <p:sp>
+          <p:nvSpPr>
+            <p:cNvPr id="22" name="Triangle 55">
+              <a:extLst>
+                <a:ext uri="{FF2B5EF4-FFF2-40B4-BE49-F238E27FC236}">
+                  <a16:creationId xmlns:a16="http://schemas.microsoft.com/office/drawing/2014/main" id="{4BDCFDAF-D472-8E48-B9D7-29F581A533D5}"/>
                 </a:ext>
               </a:extLst>
             </p:cNvPr>
@@ -3758,7 +3763,9 @@
             <a:noFill/>
             <a:ln>
               <a:solidFill>
-                <a:srgbClr val="FFC000"/>
+                <a:schemeClr val="accent2">
+                  <a:lumMod val="75000"/>
+                </a:schemeClr>
               </a:solidFill>
             </a:ln>
           </p:spPr>
@@ -3792,17 +3799,16 @@
         </p:sp>
         <p:cxnSp>
           <p:nvCxnSpPr>
-            <p:cNvPr id="12" name="Straight Connector 11">
+            <p:cNvPr id="23" name="Straight Connector 22">
               <a:extLst>
                 <a:ext uri="{FF2B5EF4-FFF2-40B4-BE49-F238E27FC236}">
-                  <a16:creationId xmlns:a16="http://schemas.microsoft.com/office/drawing/2014/main" id="{5FF0809F-4968-8D41-9FED-C76B1C1CC003}"/>
+                  <a16:creationId xmlns:a16="http://schemas.microsoft.com/office/drawing/2014/main" id="{942B6828-9B29-9F4A-8907-4A7419BA2235}"/>
                 </a:ext>
               </a:extLst>
             </p:cNvPr>
             <p:cNvCxnSpPr>
               <a:cxnSpLocks/>
-              <a:stCxn id="10" idx="0"/>
-              <a:endCxn id="11" idx="3"/>
+              <a:endCxn id="22" idx="3"/>
             </p:cNvCxnSpPr>
             <p:nvPr/>
           </p:nvCxnSpPr>
@@ -3814,6 +3820,13 @@
             <a:prstGeom prst="line">
               <a:avLst/>
             </a:prstGeom>
+            <a:ln>
+              <a:solidFill>
+                <a:schemeClr val="accent2">
+                  <a:lumMod val="75000"/>
+                </a:schemeClr>
+              </a:solidFill>
+            </a:ln>
           </p:spPr>
           <p:style>
             <a:lnRef idx="1">
@@ -3832,10 +3845,10 @@
         </p:cxnSp>
         <p:cxnSp>
           <p:nvCxnSpPr>
-            <p:cNvPr id="13" name="Straight Arrow Connector 12">
+            <p:cNvPr id="24" name="Straight Arrow Connector 23">
               <a:extLst>
                 <a:ext uri="{FF2B5EF4-FFF2-40B4-BE49-F238E27FC236}">
-                  <a16:creationId xmlns:a16="http://schemas.microsoft.com/office/drawing/2014/main" id="{59E97361-9CAA-F245-99B3-96DF37E09A61}"/>
+                  <a16:creationId xmlns:a16="http://schemas.microsoft.com/office/drawing/2014/main" id="{31809752-5F20-6D43-8BD5-85572603183B}"/>
                 </a:ext>
               </a:extLst>
             </p:cNvPr>
@@ -3854,7 +3867,9 @@
             </a:prstGeom>
             <a:ln>
               <a:solidFill>
-                <a:srgbClr val="FFC000"/>
+                <a:schemeClr val="accent2">
+                  <a:lumMod val="75000"/>
+                </a:schemeClr>
               </a:solidFill>
               <a:prstDash val="solid"/>
               <a:headEnd type="triangle"/>
@@ -3878,16 +3893,15 @@
         </p:cxnSp>
         <p:cxnSp>
           <p:nvCxnSpPr>
-            <p:cNvPr id="14" name="Straight Arrow Connector 13">
+            <p:cNvPr id="25" name="Straight Arrow Connector 24">
               <a:extLst>
                 <a:ext uri="{FF2B5EF4-FFF2-40B4-BE49-F238E27FC236}">
-                  <a16:creationId xmlns:a16="http://schemas.microsoft.com/office/drawing/2014/main" id="{57FE7049-1433-234B-96B5-B1887834B087}"/>
+                  <a16:creationId xmlns:a16="http://schemas.microsoft.com/office/drawing/2014/main" id="{4C5BDAA2-ADDF-CC41-BBC0-C7AB82486077}"/>
                 </a:ext>
               </a:extLst>
             </p:cNvPr>
             <p:cNvCxnSpPr>
               <a:cxnSpLocks/>
-              <a:endCxn id="9" idx="1"/>
             </p:cNvCxnSpPr>
             <p:nvPr/>
           </p:nvCxnSpPr>
@@ -3900,6 +3914,11 @@
               <a:avLst/>
             </a:prstGeom>
             <a:ln>
+              <a:solidFill>
+                <a:schemeClr val="accent2">
+                  <a:lumMod val="75000"/>
+                </a:schemeClr>
+              </a:solidFill>
               <a:tailEnd type="triangle"/>
             </a:ln>
           </p:spPr>

--- a/docs/diagrams/LogicCommandTransferPackage.pptx
+++ b/docs/diagrams/LogicCommandTransferPackage.pptx
@@ -261,7 +261,7 @@
           <a:p>
             <a:fld id="{0CBAB0C1-E89C-6745-B159-B35990A686F5}" type="datetimeFigureOut">
               <a:rPr lang="en-US" smtClean="0"/>
-              <a:t>10/31/19</a:t>
+              <a:t>11/8/19</a:t>
             </a:fld>
             <a:endParaRPr lang="en-US"/>
           </a:p>
@@ -461,7 +461,7 @@
           <a:p>
             <a:fld id="{0CBAB0C1-E89C-6745-B159-B35990A686F5}" type="datetimeFigureOut">
               <a:rPr lang="en-US" smtClean="0"/>
-              <a:t>10/31/19</a:t>
+              <a:t>11/8/19</a:t>
             </a:fld>
             <a:endParaRPr lang="en-US"/>
           </a:p>
@@ -671,7 +671,7 @@
           <a:p>
             <a:fld id="{0CBAB0C1-E89C-6745-B159-B35990A686F5}" type="datetimeFigureOut">
               <a:rPr lang="en-US" smtClean="0"/>
-              <a:t>10/31/19</a:t>
+              <a:t>11/8/19</a:t>
             </a:fld>
             <a:endParaRPr lang="en-US"/>
           </a:p>
@@ -871,7 +871,7 @@
           <a:p>
             <a:fld id="{0CBAB0C1-E89C-6745-B159-B35990A686F5}" type="datetimeFigureOut">
               <a:rPr lang="en-US" smtClean="0"/>
-              <a:t>10/31/19</a:t>
+              <a:t>11/8/19</a:t>
             </a:fld>
             <a:endParaRPr lang="en-US"/>
           </a:p>
@@ -1147,7 +1147,7 @@
           <a:p>
             <a:fld id="{0CBAB0C1-E89C-6745-B159-B35990A686F5}" type="datetimeFigureOut">
               <a:rPr lang="en-US" smtClean="0"/>
-              <a:t>10/31/19</a:t>
+              <a:t>11/8/19</a:t>
             </a:fld>
             <a:endParaRPr lang="en-US"/>
           </a:p>
@@ -1415,7 +1415,7 @@
           <a:p>
             <a:fld id="{0CBAB0C1-E89C-6745-B159-B35990A686F5}" type="datetimeFigureOut">
               <a:rPr lang="en-US" smtClean="0"/>
-              <a:t>10/31/19</a:t>
+              <a:t>11/8/19</a:t>
             </a:fld>
             <a:endParaRPr lang="en-US"/>
           </a:p>
@@ -1830,7 +1830,7 @@
           <a:p>
             <a:fld id="{0CBAB0C1-E89C-6745-B159-B35990A686F5}" type="datetimeFigureOut">
               <a:rPr lang="en-US" smtClean="0"/>
-              <a:t>10/31/19</a:t>
+              <a:t>11/8/19</a:t>
             </a:fld>
             <a:endParaRPr lang="en-US"/>
           </a:p>
@@ -1972,7 +1972,7 @@
           <a:p>
             <a:fld id="{0CBAB0C1-E89C-6745-B159-B35990A686F5}" type="datetimeFigureOut">
               <a:rPr lang="en-US" smtClean="0"/>
-              <a:t>10/31/19</a:t>
+              <a:t>11/8/19</a:t>
             </a:fld>
             <a:endParaRPr lang="en-US"/>
           </a:p>
@@ -2085,7 +2085,7 @@
           <a:p>
             <a:fld id="{0CBAB0C1-E89C-6745-B159-B35990A686F5}" type="datetimeFigureOut">
               <a:rPr lang="en-US" smtClean="0"/>
-              <a:t>10/31/19</a:t>
+              <a:t>11/8/19</a:t>
             </a:fld>
             <a:endParaRPr lang="en-US"/>
           </a:p>
@@ -2398,7 +2398,7 @@
           <a:p>
             <a:fld id="{0CBAB0C1-E89C-6745-B159-B35990A686F5}" type="datetimeFigureOut">
               <a:rPr lang="en-US" smtClean="0"/>
-              <a:t>10/31/19</a:t>
+              <a:t>11/8/19</a:t>
             </a:fld>
             <a:endParaRPr lang="en-US"/>
           </a:p>
@@ -2687,7 +2687,7 @@
           <a:p>
             <a:fld id="{0CBAB0C1-E89C-6745-B159-B35990A686F5}" type="datetimeFigureOut">
               <a:rPr lang="en-US" smtClean="0"/>
-              <a:t>10/31/19</a:t>
+              <a:t>11/8/19</a:t>
             </a:fld>
             <a:endParaRPr lang="en-US"/>
           </a:p>
@@ -2930,7 +2930,7 @@
           <a:p>
             <a:fld id="{0CBAB0C1-E89C-6745-B159-B35990A686F5}" type="datetimeFigureOut">
               <a:rPr lang="en-US" smtClean="0"/>
-              <a:t>10/31/19</a:t>
+              <a:t>11/8/19</a:t>
             </a:fld>
             <a:endParaRPr lang="en-US"/>
           </a:p>
@@ -3347,6 +3347,69 @@
           <a:chExt cx="0" cy="0"/>
         </a:xfrm>
       </p:grpSpPr>
+      <p:sp>
+        <p:nvSpPr>
+          <p:cNvPr id="26" name="Rounded Rectangle 145">
+            <a:extLst>
+              <a:ext uri="{FF2B5EF4-FFF2-40B4-BE49-F238E27FC236}">
+                <a16:creationId xmlns:a16="http://schemas.microsoft.com/office/drawing/2014/main" id="{292F029D-A542-4046-AEF3-65CEF12C220B}"/>
+              </a:ext>
+            </a:extLst>
+          </p:cNvPr>
+          <p:cNvSpPr/>
+          <p:nvPr/>
+        </p:nvSpPr>
+        <p:spPr>
+          <a:xfrm>
+            <a:off x="1210675" y="2305553"/>
+            <a:ext cx="10563167" cy="3546764"/>
+          </a:xfrm>
+          <a:prstGeom prst="roundRect">
+            <a:avLst>
+              <a:gd name="adj" fmla="val 4363"/>
+            </a:avLst>
+          </a:prstGeom>
+          <a:solidFill>
+            <a:schemeClr val="accent2">
+              <a:lumMod val="20000"/>
+              <a:lumOff val="80000"/>
+            </a:schemeClr>
+          </a:solidFill>
+          <a:ln>
+            <a:solidFill>
+              <a:schemeClr val="accent2">
+                <a:lumMod val="20000"/>
+                <a:lumOff val="80000"/>
+              </a:schemeClr>
+            </a:solidFill>
+            <a:prstDash val="solid"/>
+          </a:ln>
+        </p:spPr>
+        <p:style>
+          <a:lnRef idx="2">
+            <a:schemeClr val="accent1">
+              <a:shade val="50000"/>
+            </a:schemeClr>
+          </a:lnRef>
+          <a:fillRef idx="1">
+            <a:schemeClr val="accent1"/>
+          </a:fillRef>
+          <a:effectRef idx="0">
+            <a:schemeClr val="accent1"/>
+          </a:effectRef>
+          <a:fontRef idx="minor">
+            <a:schemeClr val="lt1"/>
+          </a:fontRef>
+        </p:style>
+        <p:txBody>
+          <a:bodyPr rtlCol="0" anchor="ctr"/>
+          <a:lstStyle/>
+          <a:p>
+            <a:pPr algn="ctr"/>
+            <a:endParaRPr lang="en-US"/>
+          </a:p>
+        </p:txBody>
+      </p:sp>
       <p:grpSp>
         <p:nvGrpSpPr>
           <p:cNvPr id="15" name="Group 14">
@@ -3361,10 +3424,10 @@
         </p:nvGrpSpPr>
         <p:grpSpPr>
           <a:xfrm>
-            <a:off x="383233" y="233893"/>
-            <a:ext cx="11403963" cy="6296302"/>
-            <a:chOff x="383233" y="233893"/>
-            <a:chExt cx="11403963" cy="6296302"/>
+            <a:off x="369879" y="280849"/>
+            <a:ext cx="11403963" cy="6296301"/>
+            <a:chOff x="383233" y="233894"/>
+            <a:chExt cx="11403963" cy="6296301"/>
           </a:xfrm>
         </p:grpSpPr>
         <p:sp>
@@ -3381,8 +3444,8 @@
           </p:nvSpPr>
           <p:spPr>
             <a:xfrm>
-              <a:off x="1210675" y="233893"/>
-              <a:ext cx="10563167" cy="5590979"/>
+              <a:off x="1210675" y="233894"/>
+              <a:ext cx="10563167" cy="1869136"/>
             </a:xfrm>
             <a:prstGeom prst="roundRect">
               <a:avLst>
@@ -3444,7 +3507,91 @@
           </p:nvSpPr>
           <p:spPr>
             <a:xfrm>
-              <a:off x="5531395" y="1578427"/>
+              <a:off x="5531395" y="993790"/>
+              <a:ext cx="1982688" cy="369332"/>
+            </a:xfrm>
+            <a:prstGeom prst="roundRect">
+              <a:avLst>
+                <a:gd name="adj" fmla="val 0"/>
+              </a:avLst>
+            </a:prstGeom>
+            <a:solidFill>
+              <a:schemeClr val="accent1">
+                <a:lumMod val="20000"/>
+                <a:lumOff val="80000"/>
+              </a:schemeClr>
+            </a:solidFill>
+            <a:ln>
+              <a:solidFill>
+                <a:schemeClr val="accent1">
+                  <a:lumMod val="20000"/>
+                  <a:lumOff val="80000"/>
+                </a:schemeClr>
+              </a:solidFill>
+            </a:ln>
+          </p:spPr>
+          <p:style>
+            <a:lnRef idx="2">
+              <a:schemeClr val="accent1">
+                <a:shade val="50000"/>
+              </a:schemeClr>
+            </a:lnRef>
+            <a:fillRef idx="1">
+              <a:schemeClr val="accent1"/>
+            </a:fillRef>
+            <a:effectRef idx="0">
+              <a:schemeClr val="accent1"/>
+            </a:effectRef>
+            <a:fontRef idx="minor">
+              <a:schemeClr val="lt1"/>
+            </a:fontRef>
+          </p:style>
+          <p:txBody>
+            <a:bodyPr rtlCol="0" anchor="ctr"/>
+            <a:lstStyle/>
+            <a:p>
+              <a:pPr algn="ctr"/>
+              <a:r>
+                <a:rPr lang="en-US" sz="1300" dirty="0">
+                  <a:solidFill>
+                    <a:schemeClr val="tx1"/>
+                  </a:solidFill>
+                  <a:latin typeface="Arial" panose="020B0604020202020204" pitchFamily="34" charset="0"/>
+                  <a:cs typeface="Arial" panose="020B0604020202020204" pitchFamily="34" charset="0"/>
+                </a:rPr>
+                <a:t>{abstract}</a:t>
+              </a:r>
+            </a:p>
+            <a:p>
+              <a:pPr algn="ctr"/>
+              <a:r>
+                <a:rPr lang="en-US" sz="1300" dirty="0">
+                  <a:solidFill>
+                    <a:schemeClr val="tx1"/>
+                  </a:solidFill>
+                  <a:latin typeface="Arial" panose="020B0604020202020204" pitchFamily="34" charset="0"/>
+                  <a:cs typeface="Arial" panose="020B0604020202020204" pitchFamily="34" charset="0"/>
+                </a:rPr>
+                <a:t>Command</a:t>
+              </a:r>
+            </a:p>
+          </p:txBody>
+        </p:sp>
+        <p:sp>
+          <p:nvSpPr>
+            <p:cNvPr id="18" name="Rounded Rectangle 14">
+              <a:extLst>
+                <a:ext uri="{FF2B5EF4-FFF2-40B4-BE49-F238E27FC236}">
+                  <a16:creationId xmlns:a16="http://schemas.microsoft.com/office/drawing/2014/main" id="{B9F21806-8B9B-084F-8269-F888933710C5}"/>
+                </a:ext>
+              </a:extLst>
+            </p:cNvPr>
+            <p:cNvSpPr/>
+            <p:nvPr/>
+          </p:nvSpPr>
+          <p:spPr>
+            <a:xfrm>
+              <a:off x="5531395" y="3682450"/>
               <a:ext cx="1982688" cy="369332"/>
             </a:xfrm>
             <a:prstGeom prst="roundRect">
@@ -3483,85 +3630,7 @@
             <a:p>
               <a:pPr algn="ctr"/>
               <a:r>
-                <a:rPr lang="en-US" sz="1300">
-                  <a:solidFill>
-                    <a:schemeClr val="tx1"/>
-                  </a:solidFill>
-                  <a:latin typeface="Arial" panose="020B0604020202020204" pitchFamily="34" charset="0"/>
-                  <a:cs typeface="Arial" panose="020B0604020202020204" pitchFamily="34" charset="0"/>
-                </a:rPr>
-                <a:t>{abstract}</a:t>
-              </a:r>
-            </a:p>
-            <a:p>
-              <a:pPr algn="ctr"/>
-              <a:r>
-                <a:rPr lang="en-US" sz="1300">
-                  <a:solidFill>
-                    <a:schemeClr val="tx1"/>
-                  </a:solidFill>
-                  <a:latin typeface="Arial" panose="020B0604020202020204" pitchFamily="34" charset="0"/>
-                  <a:cs typeface="Arial" panose="020B0604020202020204" pitchFamily="34" charset="0"/>
-                </a:rPr>
-                <a:t>Command</a:t>
-              </a:r>
-            </a:p>
-          </p:txBody>
-        </p:sp>
-        <p:sp>
-          <p:nvSpPr>
-            <p:cNvPr id="18" name="Rounded Rectangle 14">
-              <a:extLst>
-                <a:ext uri="{FF2B5EF4-FFF2-40B4-BE49-F238E27FC236}">
-                  <a16:creationId xmlns:a16="http://schemas.microsoft.com/office/drawing/2014/main" id="{B9F21806-8B9B-084F-8269-F888933710C5}"/>
-                </a:ext>
-              </a:extLst>
-            </p:cNvPr>
-            <p:cNvSpPr/>
-            <p:nvPr/>
-          </p:nvSpPr>
-          <p:spPr>
-            <a:xfrm>
-              <a:off x="5500915" y="2660051"/>
-              <a:ext cx="1982688" cy="369332"/>
-            </a:xfrm>
-            <a:prstGeom prst="roundRect">
-              <a:avLst>
-                <a:gd name="adj" fmla="val 0"/>
-              </a:avLst>
-            </a:prstGeom>
-            <a:solidFill>
-              <a:srgbClr val="FFC000"/>
-            </a:solidFill>
-            <a:ln>
-              <a:solidFill>
-                <a:srgbClr val="FFC000"/>
-              </a:solidFill>
-            </a:ln>
-          </p:spPr>
-          <p:style>
-            <a:lnRef idx="2">
-              <a:schemeClr val="accent1">
-                <a:shade val="50000"/>
-              </a:schemeClr>
-            </a:lnRef>
-            <a:fillRef idx="1">
-              <a:schemeClr val="accent1"/>
-            </a:fillRef>
-            <a:effectRef idx="0">
-              <a:schemeClr val="accent1"/>
-            </a:effectRef>
-            <a:fontRef idx="minor">
-              <a:schemeClr val="lt1"/>
-            </a:fontRef>
-          </p:style>
-          <p:txBody>
-            <a:bodyPr rtlCol="0" anchor="ctr"/>
-            <a:lstStyle/>
-            <a:p>
-              <a:pPr algn="ctr"/>
-              <a:r>
-                <a:rPr lang="en-US" sz="1300">
+                <a:rPr lang="en-US" sz="1300" dirty="0" err="1">
                   <a:solidFill>
                     <a:schemeClr val="tx1"/>
                   </a:solidFill>
@@ -3570,6 +3639,13 @@
                 </a:rPr>
                 <a:t>TransferCommand</a:t>
               </a:r>
+              <a:endParaRPr lang="en-US" sz="1300" dirty="0">
+                <a:solidFill>
+                  <a:schemeClr val="tx1"/>
+                </a:solidFill>
+                <a:latin typeface="Arial" panose="020B0604020202020204" pitchFamily="34" charset="0"/>
+                <a:cs typeface="Arial" panose="020B0604020202020204" pitchFamily="34" charset="0"/>
+              </a:endParaRPr>
             </a:p>
           </p:txBody>
         </p:sp>
@@ -3588,7 +3664,7 @@
           <p:spPr>
             <a:xfrm>
               <a:off x="1303421" y="248117"/>
-              <a:ext cx="3470181" cy="369332"/>
+              <a:ext cx="1760418" cy="369332"/>
             </a:xfrm>
             <a:prstGeom prst="rect">
               <a:avLst/>
@@ -3602,8 +3678,8 @@
             <a:lstStyle/>
             <a:p>
               <a:r>
-                <a:rPr lang="en-US" b="1"/>
-                <a:t>Logic, Command, Transfer Package</a:t>
+                <a:rPr lang="en-US" b="1" dirty="0"/>
+                <a:t>Logic, Command</a:t>
               </a:r>
             </a:p>
           </p:txBody>
@@ -3622,8 +3698,8 @@
           </p:nvSpPr>
           <p:spPr>
             <a:xfrm>
-              <a:off x="1303421" y="6000533"/>
-              <a:ext cx="10483775" cy="529662"/>
+              <a:off x="1224029" y="6000533"/>
+              <a:ext cx="10563167" cy="529662"/>
             </a:xfrm>
             <a:prstGeom prst="roundRect">
               <a:avLst/>
@@ -3686,8 +3762,8 @@
           </p:nvSpPr>
           <p:spPr>
             <a:xfrm rot="16200000">
-              <a:off x="-2045605" y="2712777"/>
-              <a:ext cx="5568378" cy="710702"/>
+              <a:off x="-2070628" y="2687755"/>
+              <a:ext cx="5618423" cy="710702"/>
             </a:xfrm>
             <a:prstGeom prst="roundRect">
               <a:avLst/>
@@ -3754,7 +3830,7 @@
           </p:nvSpPr>
           <p:spPr>
             <a:xfrm>
-              <a:off x="6373105" y="1949814"/>
+              <a:off x="6403586" y="1369310"/>
               <a:ext cx="238306" cy="98868"/>
             </a:xfrm>
             <a:prstGeom prst="triangle">
@@ -3808,14 +3884,15 @@
             </p:cNvPr>
             <p:cNvCxnSpPr>
               <a:cxnSpLocks/>
+              <a:stCxn id="18" idx="0"/>
               <a:endCxn id="22" idx="3"/>
             </p:cNvCxnSpPr>
             <p:nvPr/>
           </p:nvCxnSpPr>
           <p:spPr>
-            <a:xfrm flipH="1" flipV="1">
-              <a:off x="6492258" y="2048682"/>
-              <a:ext cx="1" cy="611369"/>
+            <a:xfrm flipV="1">
+              <a:off x="6522739" y="1468178"/>
+              <a:ext cx="0" cy="2214272"/>
             </a:xfrm>
             <a:prstGeom prst="line">
               <a:avLst/>
@@ -3854,13 +3931,15 @@
             </p:cNvPr>
             <p:cNvCxnSpPr>
               <a:cxnSpLocks/>
+              <a:stCxn id="20" idx="0"/>
+              <a:endCxn id="18" idx="2"/>
             </p:cNvCxnSpPr>
             <p:nvPr/>
           </p:nvCxnSpPr>
           <p:spPr>
             <a:xfrm flipV="1">
-              <a:off x="6492259" y="3029384"/>
-              <a:ext cx="0" cy="2971149"/>
+              <a:off x="6505613" y="4051782"/>
+              <a:ext cx="17126" cy="1948751"/>
             </a:xfrm>
             <a:prstGeom prst="straightConnector1">
               <a:avLst/>
@@ -3907,7 +3986,7 @@
           </p:nvCxnSpPr>
           <p:spPr>
             <a:xfrm>
-              <a:off x="1093936" y="1763093"/>
+              <a:off x="1093936" y="1178456"/>
               <a:ext cx="4437459" cy="0"/>
             </a:xfrm>
             <a:prstGeom prst="straightConnector1">
@@ -3938,6 +4017,41 @@
           </p:style>
         </p:cxnSp>
       </p:grpSp>
+      <p:sp>
+        <p:nvSpPr>
+          <p:cNvPr id="29" name="Rectangle 28">
+            <a:extLst>
+              <a:ext uri="{FF2B5EF4-FFF2-40B4-BE49-F238E27FC236}">
+                <a16:creationId xmlns:a16="http://schemas.microsoft.com/office/drawing/2014/main" id="{1484D2BB-D96D-904F-9401-A414E0B8EB1C}"/>
+              </a:ext>
+            </a:extLst>
+          </p:cNvPr>
+          <p:cNvSpPr/>
+          <p:nvPr/>
+        </p:nvSpPr>
+        <p:spPr>
+          <a:xfrm>
+            <a:off x="1290067" y="2345156"/>
+            <a:ext cx="1782219" cy="369332"/>
+          </a:xfrm>
+          <a:prstGeom prst="rect">
+            <a:avLst/>
+          </a:prstGeom>
+        </p:spPr>
+        <p:txBody>
+          <a:bodyPr wrap="none">
+            <a:spAutoFit/>
+          </a:bodyPr>
+          <a:lstStyle/>
+          <a:p>
+            <a:r>
+              <a:rPr lang="en-US" b="1" dirty="0"/>
+              <a:t>Transfer Package</a:t>
+            </a:r>
+            <a:endParaRPr lang="en-US" dirty="0"/>
+          </a:p>
+        </p:txBody>
+      </p:sp>
     </p:spTree>
     <p:extLst>
       <p:ext uri="{BB962C8B-B14F-4D97-AF65-F5344CB8AC3E}">

--- a/docs/diagrams/LogicCommandTransferPackage.pptx
+++ b/docs/diagrams/LogicCommandTransferPackage.pptx
@@ -261,7 +261,7 @@
           <a:p>
             <a:fld id="{0CBAB0C1-E89C-6745-B159-B35990A686F5}" type="datetimeFigureOut">
               <a:rPr lang="en-US" smtClean="0"/>
-              <a:t>11/8/19</a:t>
+              <a:t>11/9/19</a:t>
             </a:fld>
             <a:endParaRPr lang="en-US"/>
           </a:p>
@@ -461,7 +461,7 @@
           <a:p>
             <a:fld id="{0CBAB0C1-E89C-6745-B159-B35990A686F5}" type="datetimeFigureOut">
               <a:rPr lang="en-US" smtClean="0"/>
-              <a:t>11/8/19</a:t>
+              <a:t>11/9/19</a:t>
             </a:fld>
             <a:endParaRPr lang="en-US"/>
           </a:p>
@@ -671,7 +671,7 @@
           <a:p>
             <a:fld id="{0CBAB0C1-E89C-6745-B159-B35990A686F5}" type="datetimeFigureOut">
               <a:rPr lang="en-US" smtClean="0"/>
-              <a:t>11/8/19</a:t>
+              <a:t>11/9/19</a:t>
             </a:fld>
             <a:endParaRPr lang="en-US"/>
           </a:p>
@@ -871,7 +871,7 @@
           <a:p>
             <a:fld id="{0CBAB0C1-E89C-6745-B159-B35990A686F5}" type="datetimeFigureOut">
               <a:rPr lang="en-US" smtClean="0"/>
-              <a:t>11/8/19</a:t>
+              <a:t>11/9/19</a:t>
             </a:fld>
             <a:endParaRPr lang="en-US"/>
           </a:p>
@@ -1147,7 +1147,7 @@
           <a:p>
             <a:fld id="{0CBAB0C1-E89C-6745-B159-B35990A686F5}" type="datetimeFigureOut">
               <a:rPr lang="en-US" smtClean="0"/>
-              <a:t>11/8/19</a:t>
+              <a:t>11/9/19</a:t>
             </a:fld>
             <a:endParaRPr lang="en-US"/>
           </a:p>
@@ -1415,7 +1415,7 @@
           <a:p>
             <a:fld id="{0CBAB0C1-E89C-6745-B159-B35990A686F5}" type="datetimeFigureOut">
               <a:rPr lang="en-US" smtClean="0"/>
-              <a:t>11/8/19</a:t>
+              <a:t>11/9/19</a:t>
             </a:fld>
             <a:endParaRPr lang="en-US"/>
           </a:p>
@@ -1830,7 +1830,7 @@
           <a:p>
             <a:fld id="{0CBAB0C1-E89C-6745-B159-B35990A686F5}" type="datetimeFigureOut">
               <a:rPr lang="en-US" smtClean="0"/>
-              <a:t>11/8/19</a:t>
+              <a:t>11/9/19</a:t>
             </a:fld>
             <a:endParaRPr lang="en-US"/>
           </a:p>
@@ -1972,7 +1972,7 @@
           <a:p>
             <a:fld id="{0CBAB0C1-E89C-6745-B159-B35990A686F5}" type="datetimeFigureOut">
               <a:rPr lang="en-US" smtClean="0"/>
-              <a:t>11/8/19</a:t>
+              <a:t>11/9/19</a:t>
             </a:fld>
             <a:endParaRPr lang="en-US"/>
           </a:p>
@@ -2085,7 +2085,7 @@
           <a:p>
             <a:fld id="{0CBAB0C1-E89C-6745-B159-B35990A686F5}" type="datetimeFigureOut">
               <a:rPr lang="en-US" smtClean="0"/>
-              <a:t>11/8/19</a:t>
+              <a:t>11/9/19</a:t>
             </a:fld>
             <a:endParaRPr lang="en-US"/>
           </a:p>
@@ -2398,7 +2398,7 @@
           <a:p>
             <a:fld id="{0CBAB0C1-E89C-6745-B159-B35990A686F5}" type="datetimeFigureOut">
               <a:rPr lang="en-US" smtClean="0"/>
-              <a:t>11/8/19</a:t>
+              <a:t>11/9/19</a:t>
             </a:fld>
             <a:endParaRPr lang="en-US"/>
           </a:p>
@@ -2687,7 +2687,7 @@
           <a:p>
             <a:fld id="{0CBAB0C1-E89C-6745-B159-B35990A686F5}" type="datetimeFigureOut">
               <a:rPr lang="en-US" smtClean="0"/>
-              <a:t>11/8/19</a:t>
+              <a:t>11/9/19</a:t>
             </a:fld>
             <a:endParaRPr lang="en-US"/>
           </a:p>
@@ -2930,7 +2930,7 @@
           <a:p>
             <a:fld id="{0CBAB0C1-E89C-6745-B159-B35990A686F5}" type="datetimeFigureOut">
               <a:rPr lang="en-US" smtClean="0"/>
-              <a:t>11/8/19</a:t>
+              <a:t>11/9/19</a:t>
             </a:fld>
             <a:endParaRPr lang="en-US"/>
           </a:p>
@@ -4032,7 +4032,7 @@
         <p:spPr>
           <a:xfrm>
             <a:off x="1290067" y="2345156"/>
-            <a:ext cx="1782219" cy="369332"/>
+            <a:ext cx="3470181" cy="369332"/>
           </a:xfrm>
           <a:prstGeom prst="rect">
             <a:avLst/>
@@ -4046,7 +4046,7 @@
           <a:p>
             <a:r>
               <a:rPr lang="en-US" b="1" dirty="0"/>
-              <a:t>Transfer Package</a:t>
+              <a:t>Logic, Command, Transfer Package</a:t>
             </a:r>
             <a:endParaRPr lang="en-US" dirty="0"/>
           </a:p>
